--- a/Project2 Requirements.pptx
+++ b/Project2 Requirements.pptx
@@ -225,7 +225,7 @@
           <a:p>
             <a:fld id="{51A969EA-8566-418D-AC96-BC5F6E9FAB6C}" type="datetimeFigureOut">
               <a:rPr lang="en-US" smtClean="0"/>
-              <a:t>7/31/18</a:t>
+              <a:t>9/11/18</a:t>
             </a:fld>
             <a:endParaRPr lang="en-US"/>
           </a:p>
@@ -390,7 +390,7 @@
           <a:p>
             <a:fld id="{33B07B4B-74D8-4C42-A719-1F93879497F8}" type="datetimeFigureOut">
               <a:rPr lang="en-US" smtClean="0"/>
-              <a:t>7/31/18</a:t>
+              <a:t>9/11/18</a:t>
             </a:fld>
             <a:endParaRPr lang="en-US"/>
           </a:p>
@@ -1402,7 +1402,7 @@
               <a:t>© </a:t>
             </a:r>
             <a:r>
-              <a:rPr lang="en-US" sz="800" dirty="0" smtClean="0">
+              <a:rPr lang="en-US" sz="800" dirty="0">
                 <a:solidFill>
                   <a:schemeClr val="bg1"/>
                 </a:solidFill>
@@ -1413,7 +1413,7 @@
               <a:t>2018 The</a:t>
             </a:r>
             <a:r>
-              <a:rPr lang="en-US" sz="800" baseline="0" dirty="0" smtClean="0">
+              <a:rPr lang="en-US" sz="800" baseline="0" dirty="0">
                 <a:solidFill>
                   <a:schemeClr val="bg1"/>
                 </a:solidFill>
@@ -1875,7 +1875,7 @@
           <a:p>
             <a:pPr algn="r"/>
             <a:r>
-              <a:rPr lang="en-US" sz="800" dirty="0" smtClean="0">
+              <a:rPr lang="en-US" sz="800" dirty="0">
                 <a:solidFill>
                   <a:schemeClr val="bg1"/>
                 </a:solidFill>
@@ -1885,7 +1885,7 @@
               <a:t>© </a:t>
             </a:r>
             <a:r>
-              <a:rPr lang="en-US" sz="800" dirty="0" smtClean="0">
+              <a:rPr lang="en-US" sz="800" dirty="0">
                 <a:solidFill>
                   <a:schemeClr val="bg1"/>
                 </a:solidFill>
@@ -1896,7 +1896,7 @@
               <a:t>2018 The</a:t>
             </a:r>
             <a:r>
-              <a:rPr lang="en-US" sz="800" baseline="0" dirty="0" smtClean="0">
+              <a:rPr lang="en-US" sz="800" baseline="0" dirty="0">
                 <a:solidFill>
                   <a:schemeClr val="bg1"/>
                 </a:solidFill>
@@ -2110,7 +2110,7 @@
           <a:p>
             <a:pPr algn="r"/>
             <a:r>
-              <a:rPr lang="en-US" sz="800" dirty="0" smtClean="0">
+              <a:rPr lang="en-US" sz="800" dirty="0">
                 <a:solidFill>
                   <a:schemeClr val="bg1"/>
                 </a:solidFill>
@@ -2120,7 +2120,7 @@
               <a:t>© </a:t>
             </a:r>
             <a:r>
-              <a:rPr lang="en-US" sz="800" dirty="0" smtClean="0">
+              <a:rPr lang="en-US" sz="800" dirty="0">
                 <a:solidFill>
                   <a:schemeClr val="bg1"/>
                 </a:solidFill>
@@ -2131,7 +2131,7 @@
               <a:t>2018 The</a:t>
             </a:r>
             <a:r>
-              <a:rPr lang="en-US" sz="800" baseline="0" dirty="0" smtClean="0">
+              <a:rPr lang="en-US" sz="800" baseline="0" dirty="0">
                 <a:solidFill>
                   <a:schemeClr val="bg1"/>
                 </a:solidFill>
@@ -2341,7 +2341,7 @@
           <a:p>
             <a:pPr algn="r"/>
             <a:r>
-              <a:rPr lang="en-US" sz="800" dirty="0" smtClean="0">
+              <a:rPr lang="en-US" sz="800" dirty="0">
                 <a:solidFill>
                   <a:schemeClr val="bg1"/>
                 </a:solidFill>
@@ -2351,7 +2351,7 @@
               <a:t>© </a:t>
             </a:r>
             <a:r>
-              <a:rPr lang="en-US" sz="800" dirty="0" smtClean="0">
+              <a:rPr lang="en-US" sz="800" dirty="0">
                 <a:solidFill>
                   <a:schemeClr val="bg1"/>
                 </a:solidFill>
@@ -2362,7 +2362,7 @@
               <a:t>2018 The</a:t>
             </a:r>
             <a:r>
-              <a:rPr lang="en-US" sz="800" baseline="0" dirty="0" smtClean="0">
+              <a:rPr lang="en-US" sz="800" baseline="0" dirty="0">
                 <a:solidFill>
                   <a:schemeClr val="bg1"/>
                 </a:solidFill>
@@ -2642,7 +2642,7 @@
           <a:p>
             <a:pPr algn="r"/>
             <a:r>
-              <a:rPr lang="en-US" sz="800" dirty="0" smtClean="0">
+              <a:rPr lang="en-US" sz="800" dirty="0">
                 <a:solidFill>
                   <a:schemeClr val="bg1"/>
                 </a:solidFill>
@@ -2652,7 +2652,7 @@
               <a:t>© </a:t>
             </a:r>
             <a:r>
-              <a:rPr lang="en-US" sz="800" dirty="0" smtClean="0">
+              <a:rPr lang="en-US" sz="800" dirty="0">
                 <a:solidFill>
                   <a:schemeClr val="bg1"/>
                 </a:solidFill>
@@ -2663,7 +2663,7 @@
               <a:t>2018 The</a:t>
             </a:r>
             <a:r>
-              <a:rPr lang="en-US" sz="800" baseline="0" dirty="0" smtClean="0">
+              <a:rPr lang="en-US" sz="800" baseline="0" dirty="0">
                 <a:solidFill>
                   <a:schemeClr val="bg1"/>
                 </a:solidFill>
@@ -2787,7 +2787,7 @@
           <a:p>
             <a:pPr algn="r"/>
             <a:r>
-              <a:rPr lang="en-US" sz="800" dirty="0" smtClean="0">
+              <a:rPr lang="en-US" sz="800" dirty="0">
                 <a:solidFill>
                   <a:schemeClr val="tx1"/>
                 </a:solidFill>
@@ -2797,7 +2797,7 @@
               <a:t>© </a:t>
             </a:r>
             <a:r>
-              <a:rPr lang="en-US" sz="800" dirty="0" smtClean="0">
+              <a:rPr lang="en-US" sz="800" dirty="0">
                 <a:solidFill>
                   <a:schemeClr val="tx1"/>
                 </a:solidFill>
@@ -2808,7 +2808,7 @@
               <a:t>2018 The</a:t>
             </a:r>
             <a:r>
-              <a:rPr lang="en-US" sz="800" baseline="0" dirty="0" smtClean="0">
+              <a:rPr lang="en-US" sz="800" baseline="0" dirty="0">
                 <a:solidFill>
                   <a:schemeClr val="tx1"/>
                 </a:solidFill>
@@ -2888,7 +2888,7 @@
           <a:p>
             <a:fld id="{B65C9255-9F07-4181-9AD2-897FFC0A3B7E}" type="datetimeFigureOut">
               <a:rPr lang="en-US" smtClean="0"/>
-              <a:t>7/31/18</a:t>
+              <a:t>9/11/18</a:t>
             </a:fld>
             <a:endParaRPr lang="en-US"/>
           </a:p>
@@ -3003,10 +3003,9 @@
           </a:lstStyle>
           <a:p>
             <a:r>
-              <a:rPr lang="en-US" smtClean="0"/>
+              <a:rPr lang="en-US"/>
               <a:t>Click to edit Master title style</a:t>
             </a:r>
-            <a:endParaRPr lang="en-US"/>
           </a:p>
         </p:txBody>
       </p:sp>
@@ -3068,10 +3067,9 @@
           </a:lstStyle>
           <a:p>
             <a:r>
-              <a:rPr lang="en-US" smtClean="0"/>
+              <a:rPr lang="en-US"/>
               <a:t>Click to edit Master subtitle style</a:t>
             </a:r>
-            <a:endParaRPr lang="en-US"/>
           </a:p>
         </p:txBody>
       </p:sp>
@@ -3092,7 +3090,7 @@
           <a:p>
             <a:fld id="{B65C9255-9F07-4181-9AD2-897FFC0A3B7E}" type="datetimeFigureOut">
               <a:rPr lang="en-US" smtClean="0"/>
-              <a:t>7/31/18</a:t>
+              <a:t>9/11/18</a:t>
             </a:fld>
             <a:endParaRPr lang="en-US"/>
           </a:p>
@@ -3315,7 +3313,7 @@
           <a:p>
             <a:fld id="{B65C9255-9F07-4181-9AD2-897FFC0A3B7E}" type="datetimeFigureOut">
               <a:rPr lang="en-US" smtClean="0"/>
-              <a:t>7/31/18</a:t>
+              <a:t>9/11/18</a:t>
             </a:fld>
             <a:endParaRPr lang="en-US"/>
           </a:p>
@@ -3752,10 +3750,17 @@
           <a:lstStyle/>
           <a:p>
             <a:r>
-              <a:rPr lang="en-US" sz="3000" dirty="0" smtClean="0"/>
-              <a:t>Project #2: Visualize Me Captain!</a:t>
-            </a:r>
-            <a:endParaRPr lang="en-US" sz="3000" dirty="0"/>
+              <a:rPr lang="en-US" sz="3000" dirty="0"/>
+              <a:t>Project #2: </a:t>
+            </a:r>
+            <a:r>
+              <a:rPr lang="en-US" sz="3000"/>
+              <a:t>Viisualize</a:t>
+            </a:r>
+            <a:r>
+              <a:rPr lang="en-US" sz="3000" dirty="0"/>
+              <a:t> Me Captain!</a:t>
+            </a:r>
           </a:p>
         </p:txBody>
       </p:sp>
@@ -3780,10 +3785,9 @@
           <a:lstStyle/>
           <a:p>
             <a:r>
-              <a:rPr lang="en-US" dirty="0" smtClean="0"/>
+              <a:rPr lang="en-US" dirty="0"/>
               <a:t>Week 18</a:t>
             </a:r>
-            <a:endParaRPr lang="en-US" dirty="0"/>
           </a:p>
         </p:txBody>
       </p:sp>
@@ -4035,10 +4039,9 @@
           </a:lstStyle>
           <a:p>
             <a:r>
-              <a:rPr lang="en-US" dirty="0" smtClean="0"/>
+              <a:rPr lang="en-US" dirty="0"/>
               <a:t>2018</a:t>
             </a:r>
-            <a:endParaRPr lang="en-US" dirty="0"/>
           </a:p>
         </p:txBody>
       </p:sp>
@@ -4064,13 +4067,6 @@
       </p:transition>
     </mc:Fallback>
   </mc:AlternateContent>
-  <p:timing>
-    <p:tnLst>
-      <p:par>
-        <p:cTn id="1" dur="indefinite" restart="never" nodeType="tmRoot"/>
-      </p:par>
-    </p:tnLst>
-  </p:timing>
 </p:sld>
 </file>
 
@@ -4114,10 +4110,9 @@
           <a:lstStyle/>
           <a:p>
             <a:r>
-              <a:rPr lang="en-US" dirty="0" smtClean="0"/>
+              <a:rPr lang="en-US" dirty="0"/>
               <a:t>Weekly Schedule</a:t>
             </a:r>
-            <a:endParaRPr lang="en-US" dirty="0"/>
           </a:p>
         </p:txBody>
       </p:sp>
@@ -4148,67 +4143,27 @@
               <a:buAutoNum type="arabicPeriod"/>
             </a:pPr>
             <a:r>
-              <a:rPr lang="en-US" sz="1700" b="1" dirty="0" smtClean="0">
+              <a:rPr lang="en-US" sz="1700" b="1" dirty="0">
                 <a:latin typeface="Arial" panose="020B0604020202020204" pitchFamily="34" charset="0"/>
                 <a:ea typeface="Roboto" pitchFamily="2" charset="0"/>
                 <a:cs typeface="Arial" panose="020B0604020202020204" pitchFamily="34" charset="0"/>
               </a:rPr>
               <a:t>Today: </a:t>
             </a:r>
-            <a:r>
-              <a:rPr lang="en-US" sz="1700" dirty="0" smtClean="0">
-                <a:latin typeface="Arial" panose="020B0604020202020204" pitchFamily="34" charset="0"/>
-                <a:ea typeface="Roboto" pitchFamily="2" charset="0"/>
-                <a:cs typeface="Arial" panose="020B0604020202020204" pitchFamily="34" charset="0"/>
-              </a:rPr>
-              <a:t/>
-            </a:r>
             <a:br>
-              <a:rPr lang="en-US" sz="1700" dirty="0" smtClean="0">
+              <a:rPr lang="en-US" sz="1700" dirty="0">
                 <a:latin typeface="Arial" panose="020B0604020202020204" pitchFamily="34" charset="0"/>
                 <a:ea typeface="Roboto" pitchFamily="2" charset="0"/>
                 <a:cs typeface="Arial" panose="020B0604020202020204" pitchFamily="34" charset="0"/>
               </a:rPr>
             </a:br>
             <a:r>
-              <a:rPr lang="en-US" sz="1700" dirty="0" smtClean="0">
+              <a:rPr lang="en-US" sz="1700" dirty="0">
                 <a:latin typeface="Arial" panose="020B0604020202020204" pitchFamily="34" charset="0"/>
                 <a:ea typeface="Roboto" pitchFamily="2" charset="0"/>
                 <a:cs typeface="Arial" panose="020B0604020202020204" pitchFamily="34" charset="0"/>
               </a:rPr>
-              <a:t>Between now and Saturday, </a:t>
-            </a:r>
-            <a:r>
-              <a:rPr lang="en-US" sz="1700" dirty="0">
-                <a:latin typeface="Arial" panose="020B0604020202020204" pitchFamily="34" charset="0"/>
-                <a:ea typeface="Roboto" pitchFamily="2" charset="0"/>
-                <a:cs typeface="Arial" panose="020B0604020202020204" pitchFamily="34" charset="0"/>
-              </a:rPr>
-              <a:t>y</a:t>
-            </a:r>
-            <a:r>
-              <a:rPr lang="en-US" sz="1700" dirty="0" smtClean="0">
-                <a:latin typeface="Arial" panose="020B0604020202020204" pitchFamily="34" charset="0"/>
-                <a:ea typeface="Roboto" pitchFamily="2" charset="0"/>
-                <a:cs typeface="Arial" panose="020B0604020202020204" pitchFamily="34" charset="0"/>
-              </a:rPr>
-              <a:t>ou will need to start </a:t>
-            </a:r>
-            <a:r>
-              <a:rPr lang="en-US" sz="1700" dirty="0">
-                <a:latin typeface="Arial" panose="020B0604020202020204" pitchFamily="34" charset="0"/>
-                <a:ea typeface="Roboto" pitchFamily="2" charset="0"/>
-                <a:cs typeface="Arial" panose="020B0604020202020204" pitchFamily="34" charset="0"/>
-              </a:rPr>
-              <a:t>brainstorming topics with your group and researching potential datasets. Your focus should specifically center </a:t>
-            </a:r>
-            <a:r>
-              <a:rPr lang="en-US" sz="1700" dirty="0" smtClean="0">
-                <a:latin typeface="Arial" panose="020B0604020202020204" pitchFamily="34" charset="0"/>
-                <a:ea typeface="Roboto" pitchFamily="2" charset="0"/>
-                <a:cs typeface="Arial" panose="020B0604020202020204" pitchFamily="34" charset="0"/>
-              </a:rPr>
-              <a:t>around:</a:t>
+              <a:t>Between now and Saturday, you will need to start brainstorming topics with your group and researching potential datasets. Your focus should specifically center around:</a:t>
             </a:r>
           </a:p>
           <a:p>
@@ -4217,20 +4172,12 @@
               <a:buChar char="•"/>
             </a:pPr>
             <a:r>
-              <a:rPr lang="en-US" sz="1700" dirty="0" smtClean="0">
+              <a:rPr lang="en-US" sz="1700" dirty="0">
                 <a:latin typeface="Arial" panose="020B0604020202020204" pitchFamily="34" charset="0"/>
                 <a:ea typeface="Roboto" pitchFamily="2" charset="0"/>
                 <a:cs typeface="Arial" panose="020B0604020202020204" pitchFamily="34" charset="0"/>
               </a:rPr>
-              <a:t>Selecting </a:t>
-            </a:r>
-            <a:r>
-              <a:rPr lang="en-US" sz="1700" dirty="0">
-                <a:latin typeface="Arial" panose="020B0604020202020204" pitchFamily="34" charset="0"/>
-                <a:ea typeface="Roboto" pitchFamily="2" charset="0"/>
-                <a:cs typeface="Arial" panose="020B0604020202020204" pitchFamily="34" charset="0"/>
-              </a:rPr>
-              <a:t>a Topic 	</a:t>
+              <a:t>Selecting a Topic 	</a:t>
             </a:r>
           </a:p>
           <a:p>
@@ -4239,26 +4186,13 @@
               <a:buChar char="•"/>
             </a:pPr>
             <a:r>
-              <a:rPr lang="en-US" sz="1700" dirty="0" smtClean="0">
+              <a:rPr lang="en-US" sz="1700" dirty="0">
                 <a:latin typeface="Arial" panose="020B0604020202020204" pitchFamily="34" charset="0"/>
                 <a:ea typeface="Roboto" pitchFamily="2" charset="0"/>
                 <a:cs typeface="Arial" panose="020B0604020202020204" pitchFamily="34" charset="0"/>
               </a:rPr>
-              <a:t>Finding </a:t>
-            </a:r>
-            <a:r>
-              <a:rPr lang="en-US" sz="1700" dirty="0">
-                <a:latin typeface="Arial" panose="020B0604020202020204" pitchFamily="34" charset="0"/>
-                <a:ea typeface="Roboto" pitchFamily="2" charset="0"/>
-                <a:cs typeface="Arial" panose="020B0604020202020204" pitchFamily="34" charset="0"/>
-              </a:rPr>
-              <a:t>a Dataset	</a:t>
-            </a:r>
-            <a:endParaRPr lang="en-US" sz="1700" dirty="0" smtClean="0">
-              <a:latin typeface="Arial" panose="020B0604020202020204" pitchFamily="34" charset="0"/>
-              <a:ea typeface="Roboto" pitchFamily="2" charset="0"/>
-              <a:cs typeface="Arial" panose="020B0604020202020204" pitchFamily="34" charset="0"/>
-            </a:endParaRPr>
+              <a:t>Finding a Dataset	</a:t>
+            </a:r>
           </a:p>
           <a:p>
             <a:pPr marL="914400" lvl="1" indent="-457200">
@@ -4266,20 +4200,12 @@
               <a:buChar char="•"/>
             </a:pPr>
             <a:r>
-              <a:rPr lang="en-US" sz="1700" dirty="0" smtClean="0">
+              <a:rPr lang="en-US" sz="1700" dirty="0">
                 <a:latin typeface="Arial" panose="020B0604020202020204" pitchFamily="34" charset="0"/>
                 <a:ea typeface="Roboto" pitchFamily="2" charset="0"/>
                 <a:cs typeface="Arial" panose="020B0604020202020204" pitchFamily="34" charset="0"/>
               </a:rPr>
-              <a:t>Finding </a:t>
-            </a:r>
-            <a:r>
-              <a:rPr lang="en-US" sz="1700" dirty="0">
-                <a:latin typeface="Arial" panose="020B0604020202020204" pitchFamily="34" charset="0"/>
-                <a:ea typeface="Roboto" pitchFamily="2" charset="0"/>
-                <a:cs typeface="Arial" panose="020B0604020202020204" pitchFamily="34" charset="0"/>
-              </a:rPr>
-              <a:t>Inspiration	</a:t>
+              <a:t>Finding Inspiration	</a:t>
             </a:r>
           </a:p>
           <a:p>
@@ -4288,28 +4214,12 @@
               <a:buChar char="•"/>
             </a:pPr>
             <a:r>
-              <a:rPr lang="en-US" sz="1700" dirty="0" smtClean="0">
+              <a:rPr lang="en-US" sz="1700" dirty="0">
                 <a:latin typeface="Arial" panose="020B0604020202020204" pitchFamily="34" charset="0"/>
                 <a:ea typeface="Roboto" pitchFamily="2" charset="0"/>
                 <a:cs typeface="Arial" panose="020B0604020202020204" pitchFamily="34" charset="0"/>
               </a:rPr>
-              <a:t>"</a:t>
-            </a:r>
-            <a:r>
-              <a:rPr lang="en-US" sz="1700" dirty="0">
-                <a:latin typeface="Arial" panose="020B0604020202020204" pitchFamily="34" charset="0"/>
-                <a:ea typeface="Roboto" pitchFamily="2" charset="0"/>
-                <a:cs typeface="Arial" panose="020B0604020202020204" pitchFamily="34" charset="0"/>
-              </a:rPr>
-              <a:t>Sketching" your ideal </a:t>
-            </a:r>
-            <a:r>
-              <a:rPr lang="en-US" sz="1700" dirty="0" smtClean="0">
-                <a:latin typeface="Arial" panose="020B0604020202020204" pitchFamily="34" charset="0"/>
-                <a:ea typeface="Roboto" pitchFamily="2" charset="0"/>
-                <a:cs typeface="Arial" panose="020B0604020202020204" pitchFamily="34" charset="0"/>
-              </a:rPr>
-              <a:t>visuals</a:t>
+              <a:t>"Sketching" your ideal visuals</a:t>
             </a:r>
           </a:p>
           <a:p>
@@ -4318,28 +4228,12 @@
               <a:buChar char="•"/>
             </a:pPr>
             <a:r>
-              <a:rPr lang="en-US" sz="1700" dirty="0" smtClean="0">
+              <a:rPr lang="en-US" sz="1700" dirty="0">
                 <a:latin typeface="Arial" panose="020B0604020202020204" pitchFamily="34" charset="0"/>
                 <a:ea typeface="Roboto" pitchFamily="2" charset="0"/>
                 <a:cs typeface="Arial" panose="020B0604020202020204" pitchFamily="34" charset="0"/>
               </a:rPr>
-              <a:t>Creating </a:t>
-            </a:r>
-            <a:r>
-              <a:rPr lang="en-US" sz="1700" dirty="0">
-                <a:latin typeface="Arial" panose="020B0604020202020204" pitchFamily="34" charset="0"/>
-                <a:ea typeface="Roboto" pitchFamily="2" charset="0"/>
-                <a:cs typeface="Arial" panose="020B0604020202020204" pitchFamily="34" charset="0"/>
-              </a:rPr>
-              <a:t>a 1-Page </a:t>
-            </a:r>
-            <a:r>
-              <a:rPr lang="en-US" sz="1700" dirty="0" smtClean="0">
-                <a:latin typeface="Arial" panose="020B0604020202020204" pitchFamily="34" charset="0"/>
-                <a:ea typeface="Roboto" pitchFamily="2" charset="0"/>
-                <a:cs typeface="Arial" panose="020B0604020202020204" pitchFamily="34" charset="0"/>
-              </a:rPr>
-              <a:t>Proposal</a:t>
+              <a:t>Creating a 1-Page Proposal</a:t>
             </a:r>
           </a:p>
           <a:p>
@@ -4359,7 +4253,7 @@
               <a:buAutoNum type="arabicPeriod"/>
             </a:pPr>
             <a:r>
-              <a:rPr lang="en-US" sz="1700" b="1" dirty="0" smtClean="0">
+              <a:rPr lang="en-US" sz="1700" b="1" dirty="0">
                 <a:latin typeface="Arial" panose="020B0604020202020204" pitchFamily="34" charset="0"/>
                 <a:ea typeface="Roboto" pitchFamily="2" charset="0"/>
                 <a:cs typeface="Arial" panose="020B0604020202020204" pitchFamily="34" charset="0"/>
@@ -4367,14 +4261,14 @@
               <a:t>End-of-Class Saturday: </a:t>
             </a:r>
             <a:br>
-              <a:rPr lang="en-US" sz="1700" b="1" dirty="0" smtClean="0">
+              <a:rPr lang="en-US" sz="1700" b="1" dirty="0">
                 <a:latin typeface="Arial" panose="020B0604020202020204" pitchFamily="34" charset="0"/>
                 <a:ea typeface="Roboto" pitchFamily="2" charset="0"/>
                 <a:cs typeface="Arial" panose="020B0604020202020204" pitchFamily="34" charset="0"/>
               </a:rPr>
             </a:br>
             <a:r>
-              <a:rPr lang="en-US" sz="1700" dirty="0" smtClean="0">
+              <a:rPr lang="en-US" sz="1700" dirty="0">
                 <a:latin typeface="Arial" panose="020B0604020202020204" pitchFamily="34" charset="0"/>
                 <a:ea typeface="Roboto" pitchFamily="2" charset="0"/>
                 <a:cs typeface="Arial" panose="020B0604020202020204" pitchFamily="34" charset="0"/>
@@ -4388,28 +4282,12 @@
               <a:buChar char="•"/>
             </a:pPr>
             <a:r>
-              <a:rPr lang="en-US" sz="1700" dirty="0" smtClean="0">
+              <a:rPr lang="en-US" sz="1700" dirty="0">
                 <a:latin typeface="Arial" panose="020B0604020202020204" pitchFamily="34" charset="0"/>
                 <a:ea typeface="Roboto" pitchFamily="2" charset="0"/>
                 <a:cs typeface="Arial" panose="020B0604020202020204" pitchFamily="34" charset="0"/>
               </a:rPr>
-              <a:t>A </a:t>
-            </a:r>
-            <a:r>
-              <a:rPr lang="en-US" sz="1700" dirty="0">
-                <a:latin typeface="Arial" panose="020B0604020202020204" pitchFamily="34" charset="0"/>
-                <a:ea typeface="Roboto" pitchFamily="2" charset="0"/>
-                <a:cs typeface="Arial" panose="020B0604020202020204" pitchFamily="34" charset="0"/>
-              </a:rPr>
-              <a:t>brief articulation of your chosen topic and </a:t>
-            </a:r>
-            <a:r>
-              <a:rPr lang="en-US" sz="1700" dirty="0" smtClean="0">
-                <a:latin typeface="Arial" panose="020B0604020202020204" pitchFamily="34" charset="0"/>
-                <a:ea typeface="Roboto" pitchFamily="2" charset="0"/>
-                <a:cs typeface="Arial" panose="020B0604020202020204" pitchFamily="34" charset="0"/>
-              </a:rPr>
-              <a:t>rationale</a:t>
+              <a:t>A brief articulation of your chosen topic and rationale</a:t>
             </a:r>
           </a:p>
           <a:p>
@@ -4418,20 +4296,12 @@
               <a:buChar char="•"/>
             </a:pPr>
             <a:r>
-              <a:rPr lang="en-US" sz="1700" dirty="0" smtClean="0">
+              <a:rPr lang="en-US" sz="1700" dirty="0">
                 <a:latin typeface="Arial" panose="020B0604020202020204" pitchFamily="34" charset="0"/>
                 <a:ea typeface="Roboto" pitchFamily="2" charset="0"/>
                 <a:cs typeface="Arial" panose="020B0604020202020204" pitchFamily="34" charset="0"/>
               </a:rPr>
-              <a:t>A </a:t>
-            </a:r>
-            <a:r>
-              <a:rPr lang="en-US" sz="1700" dirty="0">
-                <a:latin typeface="Arial" panose="020B0604020202020204" pitchFamily="34" charset="0"/>
-                <a:ea typeface="Roboto" pitchFamily="2" charset="0"/>
-                <a:cs typeface="Arial" panose="020B0604020202020204" pitchFamily="34" charset="0"/>
-              </a:rPr>
-              <a:t>link to your dataset(s) and a screenshot of the metadata if it exists.	</a:t>
+              <a:t>A link to your dataset(s) and a screenshot of the metadata if it exists.	</a:t>
             </a:r>
           </a:p>
           <a:p>
@@ -4440,20 +4310,12 @@
               <a:buChar char="•"/>
             </a:pPr>
             <a:r>
-              <a:rPr lang="en-US" sz="1700" dirty="0" smtClean="0">
+              <a:rPr lang="en-US" sz="1700" dirty="0">
                 <a:latin typeface="Arial" panose="020B0604020202020204" pitchFamily="34" charset="0"/>
                 <a:ea typeface="Roboto" pitchFamily="2" charset="0"/>
                 <a:cs typeface="Arial" panose="020B0604020202020204" pitchFamily="34" charset="0"/>
               </a:rPr>
-              <a:t>3-4 </a:t>
-            </a:r>
-            <a:r>
-              <a:rPr lang="en-US" sz="1700" dirty="0">
-                <a:latin typeface="Arial" panose="020B0604020202020204" pitchFamily="34" charset="0"/>
-                <a:ea typeface="Roboto" pitchFamily="2" charset="0"/>
-                <a:cs typeface="Arial" panose="020B0604020202020204" pitchFamily="34" charset="0"/>
-              </a:rPr>
-              <a:t>screenshots of relevant "inspiring" visualizations that frame your creative fodder	</a:t>
+              <a:t>3-4 screenshots of relevant "inspiring" visualizations that frame your creative fodder	</a:t>
             </a:r>
           </a:p>
           <a:p>
@@ -4462,20 +4324,12 @@
               <a:buChar char="•"/>
             </a:pPr>
             <a:r>
-              <a:rPr lang="en-US" sz="1700" dirty="0" smtClean="0">
+              <a:rPr lang="en-US" sz="1700" dirty="0">
                 <a:latin typeface="Arial" panose="020B0604020202020204" pitchFamily="34" charset="0"/>
                 <a:ea typeface="Roboto" pitchFamily="2" charset="0"/>
                 <a:cs typeface="Arial" panose="020B0604020202020204" pitchFamily="34" charset="0"/>
               </a:rPr>
-              <a:t>A </a:t>
-            </a:r>
-            <a:r>
-              <a:rPr lang="en-US" sz="1700" dirty="0">
-                <a:latin typeface="Arial" panose="020B0604020202020204" pitchFamily="34" charset="0"/>
-                <a:ea typeface="Roboto" pitchFamily="2" charset="0"/>
-                <a:cs typeface="Arial" panose="020B0604020202020204" pitchFamily="34" charset="0"/>
-              </a:rPr>
-              <a:t>sketch of the final design 	</a:t>
+              <a:t>A sketch of the final design 	</a:t>
             </a:r>
           </a:p>
           <a:p>
@@ -4484,20 +4338,12 @@
               <a:buChar char="•"/>
             </a:pPr>
             <a:r>
-              <a:rPr lang="en-US" sz="1700" dirty="0" smtClean="0">
+              <a:rPr lang="en-US" sz="1700" dirty="0">
                 <a:latin typeface="Arial" panose="020B0604020202020204" pitchFamily="34" charset="0"/>
                 <a:ea typeface="Roboto" pitchFamily="2" charset="0"/>
                 <a:cs typeface="Arial" panose="020B0604020202020204" pitchFamily="34" charset="0"/>
               </a:rPr>
-              <a:t>A </a:t>
-            </a:r>
-            <a:r>
-              <a:rPr lang="en-US" sz="1700" dirty="0">
-                <a:latin typeface="Arial" panose="020B0604020202020204" pitchFamily="34" charset="0"/>
-                <a:ea typeface="Roboto" pitchFamily="2" charset="0"/>
-                <a:cs typeface="Arial" panose="020B0604020202020204" pitchFamily="34" charset="0"/>
-              </a:rPr>
-              <a:t>link to the primary GitHub repository you'll be housing your work in</a:t>
+              <a:t>A link to the primary GitHub repository you'll be housing your work in</a:t>
             </a:r>
           </a:p>
           <a:p>
@@ -4505,7 +4351,7 @@
               <a:buFont typeface="+mj-lt"/>
               <a:buAutoNum type="arabicPeriod"/>
             </a:pPr>
-            <a:endParaRPr lang="en-US" sz="1700" b="1" dirty="0" smtClean="0">
+            <a:endParaRPr lang="en-US" sz="1700" b="1" dirty="0">
               <a:latin typeface="Arial" panose="020B0604020202020204" pitchFamily="34" charset="0"/>
               <a:ea typeface="Roboto" pitchFamily="2" charset="0"/>
               <a:cs typeface="Arial" panose="020B0604020202020204" pitchFamily="34" charset="0"/>
@@ -4517,7 +4363,7 @@
               <a:buAutoNum type="arabicPeriod"/>
             </a:pPr>
             <a:r>
-              <a:rPr lang="en-US" sz="1700" b="1" dirty="0" smtClean="0">
+              <a:rPr lang="en-US" sz="1700" b="1" dirty="0">
                 <a:latin typeface="Arial" panose="020B0604020202020204" pitchFamily="34" charset="0"/>
                 <a:ea typeface="Roboto" pitchFamily="2" charset="0"/>
                 <a:cs typeface="Arial" panose="020B0604020202020204" pitchFamily="34" charset="0"/>
@@ -4525,7 +4371,7 @@
               <a:t>Wed/</a:t>
             </a:r>
             <a:r>
-              <a:rPr lang="en-US" sz="1700" b="1" dirty="0" err="1" smtClean="0">
+              <a:rPr lang="en-US" sz="1700" b="1" dirty="0" err="1">
                 <a:latin typeface="Arial" panose="020B0604020202020204" pitchFamily="34" charset="0"/>
                 <a:ea typeface="Roboto" pitchFamily="2" charset="0"/>
                 <a:cs typeface="Arial" panose="020B0604020202020204" pitchFamily="34" charset="0"/>
@@ -4533,7 +4379,7 @@
               <a:t>Thur</a:t>
             </a:r>
             <a:r>
-              <a:rPr lang="en-US" sz="1700" b="1" dirty="0" smtClean="0">
+              <a:rPr lang="en-US" sz="1700" b="1" dirty="0">
                 <a:latin typeface="Arial" panose="020B0604020202020204" pitchFamily="34" charset="0"/>
                 <a:ea typeface="Roboto" pitchFamily="2" charset="0"/>
                 <a:cs typeface="Arial" panose="020B0604020202020204" pitchFamily="34" charset="0"/>
@@ -4541,7 +4387,7 @@
               <a:t>; </a:t>
             </a:r>
             <a:r>
-              <a:rPr lang="en-US" sz="1700" dirty="0" smtClean="0">
+              <a:rPr lang="en-US" sz="1700" dirty="0">
                 <a:latin typeface="Arial" panose="020B0604020202020204" pitchFamily="34" charset="0"/>
                 <a:ea typeface="Roboto" pitchFamily="2" charset="0"/>
                 <a:cs typeface="Arial" panose="020B0604020202020204" pitchFamily="34" charset="0"/>
@@ -4564,13 +4410,6 @@
   <p:transition>
     <p:fade/>
   </p:transition>
-  <p:timing>
-    <p:tnLst>
-      <p:par>
-        <p:cTn id="1" dur="indefinite" restart="never" nodeType="tmRoot"/>
-      </p:par>
-    </p:tnLst>
-  </p:timing>
 </p:sld>
 </file>
 
@@ -4614,10 +4453,9 @@
           <a:lstStyle/>
           <a:p>
             <a:r>
-              <a:rPr lang="en-US" dirty="0" smtClean="0"/>
+              <a:rPr lang="en-US" dirty="0"/>
               <a:t>One Last Thought!</a:t>
             </a:r>
-            <a:endParaRPr lang="en-US" dirty="0"/>
           </a:p>
         </p:txBody>
       </p:sp>
@@ -4648,7 +4486,7 @@
               <a:buChar char="•"/>
             </a:pPr>
             <a:r>
-              <a:rPr lang="en-US" sz="2400" b="1" dirty="0" smtClean="0">
+              <a:rPr lang="en-US" sz="2400" b="1" dirty="0">
                 <a:latin typeface="Arial" panose="020B0604020202020204" pitchFamily="34" charset="0"/>
                 <a:ea typeface="Roboto" pitchFamily="2" charset="0"/>
                 <a:cs typeface="Arial" panose="020B0604020202020204" pitchFamily="34" charset="0"/>
@@ -4656,7 +4494,7 @@
               <a:t>Project week is a great, </a:t>
             </a:r>
             <a:r>
-              <a:rPr lang="en-US" sz="2400" b="1" i="1" u="sng" dirty="0" smtClean="0">
+              <a:rPr lang="en-US" sz="2400" b="1" i="1" u="sng" dirty="0">
                 <a:latin typeface="Arial" panose="020B0604020202020204" pitchFamily="34" charset="0"/>
                 <a:ea typeface="Roboto" pitchFamily="2" charset="0"/>
                 <a:cs typeface="Arial" panose="020B0604020202020204" pitchFamily="34" charset="0"/>
@@ -4664,7 +4502,7 @@
               <a:t>great</a:t>
             </a:r>
             <a:r>
-              <a:rPr lang="en-US" sz="2400" b="1" dirty="0" smtClean="0">
+              <a:rPr lang="en-US" sz="2400" b="1" dirty="0">
                 <a:latin typeface="Arial" panose="020B0604020202020204" pitchFamily="34" charset="0"/>
                 <a:ea typeface="Roboto" pitchFamily="2" charset="0"/>
                 <a:cs typeface="Arial" panose="020B0604020202020204" pitchFamily="34" charset="0"/>
@@ -4672,7 +4510,7 @@
               <a:t> </a:t>
             </a:r>
             <a:r>
-              <a:rPr lang="en-US" sz="2400" dirty="0" smtClean="0">
+              <a:rPr lang="en-US" sz="2400" dirty="0">
                 <a:latin typeface="Arial" panose="020B0604020202020204" pitchFamily="34" charset="0"/>
                 <a:ea typeface="Roboto" pitchFamily="2" charset="0"/>
                 <a:cs typeface="Arial" panose="020B0604020202020204" pitchFamily="34" charset="0"/>
@@ -4697,7 +4535,7 @@
               <a:buChar char="•"/>
             </a:pPr>
             <a:r>
-              <a:rPr lang="en-US" sz="2400" dirty="0" smtClean="0">
+              <a:rPr lang="en-US" sz="2400" dirty="0">
                 <a:latin typeface="Arial" panose="020B0604020202020204" pitchFamily="34" charset="0"/>
                 <a:ea typeface="Roboto" pitchFamily="2" charset="0"/>
                 <a:cs typeface="Arial" panose="020B0604020202020204" pitchFamily="34" charset="0"/>
@@ -4722,7 +4560,7 @@
               <a:buChar char="•"/>
             </a:pPr>
             <a:r>
-              <a:rPr lang="en-US" sz="3600" b="1" i="1" u="sng" dirty="0" smtClean="0">
+              <a:rPr lang="en-US" sz="3600" b="1" i="1" u="sng" dirty="0">
                 <a:latin typeface="Arial" panose="020B0604020202020204" pitchFamily="34" charset="0"/>
                 <a:ea typeface="Roboto" pitchFamily="2" charset="0"/>
                 <a:cs typeface="Arial" panose="020B0604020202020204" pitchFamily="34" charset="0"/>
@@ -4745,13 +4583,6 @@
   <p:transition>
     <p:fade/>
   </p:transition>
-  <p:timing>
-    <p:tnLst>
-      <p:par>
-        <p:cTn id="1" dur="indefinite" restart="never" nodeType="tmRoot"/>
-      </p:par>
-    </p:tnLst>
-  </p:timing>
 </p:sld>
 </file>
 
@@ -4816,13 +4647,6 @@
       </p:transition>
     </mc:Fallback>
   </mc:AlternateContent>
-  <p:timing>
-    <p:tnLst>
-      <p:par>
-        <p:cTn id="1" dur="indefinite" restart="never" nodeType="tmRoot"/>
-      </p:par>
-    </p:tnLst>
-  </p:timing>
 </p:sld>
 </file>
 
@@ -4859,10 +4683,9 @@
           <a:lstStyle/>
           <a:p>
             <a:r>
-              <a:rPr lang="en-US" dirty="0" smtClean="0"/>
+              <a:rPr lang="en-US" dirty="0"/>
               <a:t>Your Task</a:t>
             </a:r>
-            <a:endParaRPr lang="en-US" dirty="0"/>
           </a:p>
         </p:txBody>
       </p:sp>
@@ -4888,13 +4711,6 @@
       </p:transition>
     </mc:Fallback>
   </mc:AlternateContent>
-  <p:timing>
-    <p:tnLst>
-      <p:par>
-        <p:cTn id="1" dur="indefinite" restart="never" nodeType="tmRoot"/>
-      </p:par>
-    </p:tnLst>
-  </p:timing>
 </p:sld>
 </file>
 
@@ -4936,11 +4752,11 @@
           <a:lstStyle/>
           <a:p>
             <a:r>
-              <a:rPr lang="en-US" dirty="0" smtClean="0"/>
+              <a:rPr lang="en-US" dirty="0"/>
               <a:t>Tell a story</a:t>
             </a:r>
             <a:r>
-              <a:rPr lang="mr-IN" dirty="0" smtClean="0"/>
+              <a:rPr lang="mr-IN" dirty="0"/>
               <a:t>…</a:t>
             </a:r>
             <a:endParaRPr lang="en-US" dirty="0"/>
@@ -4969,13 +4785,6 @@
       </p:transition>
     </mc:Fallback>
   </mc:AlternateContent>
-  <p:timing>
-    <p:tnLst>
-      <p:par>
-        <p:cTn id="1" dur="indefinite" restart="never" nodeType="tmRoot"/>
-      </p:par>
-    </p:tnLst>
-  </p:timing>
 </p:sld>
 </file>
 
@@ -5017,10 +4826,9 @@
           <a:lstStyle/>
           <a:p>
             <a:r>
-              <a:rPr lang="en-US" dirty="0" smtClean="0"/>
+              <a:rPr lang="en-US" dirty="0"/>
               <a:t>With Data!</a:t>
             </a:r>
-            <a:endParaRPr lang="en-US" dirty="0"/>
           </a:p>
         </p:txBody>
       </p:sp>
@@ -5046,13 +4854,6 @@
       </p:transition>
     </mc:Fallback>
   </mc:AlternateContent>
-  <p:timing>
-    <p:tnLst>
-      <p:par>
-        <p:cTn id="1" dur="indefinite" restart="never" nodeType="tmRoot"/>
-      </p:par>
-    </p:tnLst>
-  </p:timing>
 </p:sld>
 </file>
 
@@ -5119,13 +4920,6 @@
       </p:transition>
     </mc:Fallback>
   </mc:AlternateContent>
-  <p:timing>
-    <p:tnLst>
-      <p:par>
-        <p:cTn id="1" dur="indefinite" restart="never" nodeType="tmRoot"/>
-      </p:par>
-    </p:tnLst>
-  </p:timing>
 </p:sld>
 </file>
 
@@ -5162,10 +4956,9 @@
           <a:lstStyle/>
           <a:p>
             <a:r>
-              <a:rPr lang="en-US" dirty="0" smtClean="0"/>
+              <a:rPr lang="en-US" dirty="0"/>
               <a:t>Requirements</a:t>
             </a:r>
-            <a:endParaRPr lang="en-US" dirty="0"/>
           </a:p>
         </p:txBody>
       </p:sp>
@@ -5191,13 +4984,6 @@
       </p:transition>
     </mc:Fallback>
   </mc:AlternateContent>
-  <p:timing>
-    <p:tnLst>
-      <p:par>
-        <p:cTn id="1" dur="indefinite" restart="never" nodeType="tmRoot"/>
-      </p:par>
-    </p:tnLst>
-  </p:timing>
 </p:sld>
 </file>
 
@@ -5234,7 +5020,7 @@
           <a:lstStyle/>
           <a:p>
             <a:r>
-              <a:rPr lang="en-US" smtClean="0"/>
+              <a:rPr lang="en-US"/>
               <a:t>Project Description</a:t>
             </a:r>
             <a:endParaRPr lang="en-US" dirty="0"/>
@@ -5260,54 +5046,54 @@
           <a:p>
             <a:pPr lvl="0"/>
             <a:r>
-              <a:rPr lang="en-US" smtClean="0"/>
+              <a:rPr lang="en-US"/>
               <a:t>For this second project, your task will be to "tell a story" through data visualizations. </a:t>
             </a:r>
           </a:p>
           <a:p>
             <a:pPr lvl="0"/>
-            <a:endParaRPr lang="en-US" smtClean="0"/>
+            <a:endParaRPr lang="en-US"/>
           </a:p>
           <a:p>
             <a:pPr lvl="0"/>
             <a:r>
-              <a:rPr lang="en-US" smtClean="0"/>
+              <a:rPr lang="en-US"/>
               <a:t>Unlike the first project, where you focused on using the "Analytics Paradigm" to explore relationships in "report form", this project should be more focused on providing users an interactive means to explore data themselves. </a:t>
             </a:r>
           </a:p>
           <a:p>
             <a:pPr lvl="0"/>
-            <a:endParaRPr lang="en-US" smtClean="0"/>
+            <a:endParaRPr lang="en-US"/>
           </a:p>
           <a:p>
             <a:pPr lvl="0"/>
             <a:r>
-              <a:rPr lang="en-US" smtClean="0"/>
+              <a:rPr lang="en-US"/>
               <a:t>Just as with the first project, you will be asked to conduct a 10 minute presentation that lays out your theme, coding approach, data munging techniques, and final visualization.</a:t>
             </a:r>
           </a:p>
           <a:p>
             <a:pPr lvl="0"/>
-            <a:endParaRPr lang="en-US" smtClean="0"/>
+            <a:endParaRPr lang="en-US"/>
           </a:p>
           <a:p>
             <a:pPr lvl="0"/>
             <a:r>
-              <a:rPr lang="en-US" smtClean="0"/>
+              <a:rPr lang="en-US"/>
               <a:t>You may choose a project of any theme, but we encourage you to think broadly. The universe is wide and expansive. Don't limit yourself to what you know. </a:t>
             </a:r>
           </a:p>
           <a:p>
             <a:pPr lvl="0"/>
-            <a:endParaRPr lang="en-US" smtClean="0"/>
+            <a:endParaRPr lang="en-US"/>
           </a:p>
           <a:p>
             <a:pPr lvl="0"/>
             <a:r>
-              <a:rPr lang="en-US" smtClean="0"/>
+              <a:rPr lang="en-US"/>
               <a:t>You will have roughly two weeks to complete this project. You will present your final work on Saturday (March 03, 2018). You will have ample time in class to work with your group (but expect to put in some long nights in the days ahead).</a:t>
             </a:r>
-            <a:endParaRPr lang="en-US" dirty="0" smtClean="0"/>
+            <a:endParaRPr lang="en-US" dirty="0"/>
           </a:p>
         </p:txBody>
       </p:sp>
@@ -5333,13 +5119,6 @@
       </p:transition>
     </mc:Fallback>
   </mc:AlternateContent>
-  <p:timing>
-    <p:tnLst>
-      <p:par>
-        <p:cTn id="1" dur="indefinite" restart="never" nodeType="tmRoot"/>
-      </p:par>
-    </p:tnLst>
-  </p:timing>
 </p:sld>
 </file>
 
@@ -5376,10 +5155,9 @@
           <a:lstStyle/>
           <a:p>
             <a:r>
-              <a:rPr lang="en-US" dirty="0" smtClean="0"/>
+              <a:rPr lang="en-US" dirty="0"/>
               <a:t>Specific Requirements</a:t>
             </a:r>
-            <a:endParaRPr lang="en-US" dirty="0"/>
           </a:p>
         </p:txBody>
       </p:sp>
@@ -5416,15 +5194,7 @@
             </a:pPr>
             <a:r>
               <a:rPr lang="en-US" sz="1600" dirty="0"/>
-              <a:t>Y</a:t>
-            </a:r>
-            <a:r>
-              <a:rPr lang="en-US" sz="1600" dirty="0" smtClean="0"/>
-              <a:t>our </a:t>
-            </a:r>
-            <a:r>
-              <a:rPr lang="en-US" sz="1600" dirty="0"/>
-              <a:t>visualization must include a </a:t>
+              <a:t>Your visualization must include a </a:t>
             </a:r>
             <a:r>
               <a:rPr lang="en-US" sz="1600" b="1" dirty="0"/>
@@ -5448,18 +5218,14 @@
             </a:r>
             <a:r>
               <a:rPr lang="en-US" sz="1600" dirty="0"/>
-              <a:t>, </a:t>
-            </a:r>
-            <a:r>
-              <a:rPr lang="en-US" sz="1600" dirty="0" smtClean="0"/>
-              <a:t>and at least one</a:t>
-            </a:r>
-            <a:r>
-              <a:rPr lang="en-US" sz="1600" b="1" dirty="0" smtClean="0"/>
+              <a:t>, and at least one</a:t>
+            </a:r>
+            <a:r>
+              <a:rPr lang="en-US" sz="1600" b="1" dirty="0"/>
               <a:t> database </a:t>
             </a:r>
             <a:r>
-              <a:rPr lang="en-US" sz="1600" dirty="0" smtClean="0"/>
+              <a:rPr lang="en-US" sz="1600" dirty="0"/>
               <a:t>(MySQL, MongoDB, SQLite, etc.)</a:t>
             </a:r>
           </a:p>
@@ -5473,7 +5239,7 @@
               </a:spcBef>
               <a:buAutoNum type="arabicPeriod"/>
             </a:pPr>
-            <a:endParaRPr lang="en-US" sz="1600" dirty="0" smtClean="0"/>
+            <a:endParaRPr lang="en-US" sz="1600" dirty="0"/>
           </a:p>
           <a:p>
             <a:pPr marL="342900" lvl="0" indent="-342900">
@@ -5486,27 +5252,15 @@
               <a:buAutoNum type="arabicPeriod"/>
             </a:pPr>
             <a:r>
-              <a:rPr lang="en-US" sz="1600" dirty="0" smtClean="0"/>
-              <a:t>Your </a:t>
-            </a:r>
-            <a:r>
               <a:rPr lang="en-US" sz="1600" dirty="0"/>
-              <a:t>project </a:t>
-            </a:r>
-            <a:r>
-              <a:rPr lang="en-US" sz="1600" dirty="0" smtClean="0"/>
-              <a:t>should </a:t>
+              <a:t>Your project should fall into one of the below </a:t>
+            </a:r>
+            <a:r>
+              <a:rPr lang="en-US" sz="1600" b="1" dirty="0"/>
+              <a:t>four tracks</a:t>
             </a:r>
             <a:r>
               <a:rPr lang="en-US" sz="1600" dirty="0"/>
-              <a:t>fall into one of the below </a:t>
-            </a:r>
-            <a:r>
-              <a:rPr lang="en-US" sz="1600" b="1" dirty="0" smtClean="0"/>
-              <a:t>four tracks</a:t>
-            </a:r>
-            <a:r>
-              <a:rPr lang="en-US" sz="1600" dirty="0" smtClean="0"/>
               <a:t>: </a:t>
             </a:r>
           </a:p>
@@ -5520,51 +5274,9 @@
               </a:spcBef>
             </a:pPr>
             <a:r>
-              <a:rPr lang="en-US" sz="1600" dirty="0" smtClean="0"/>
-              <a:t>A </a:t>
-            </a:r>
-            <a:r>
               <a:rPr lang="en-US" sz="1600" dirty="0"/>
-              <a:t>custom "creative" D3.js project (i.e. non-standard graph or </a:t>
-            </a:r>
-            <a:r>
-              <a:rPr lang="en-US" sz="1600" dirty="0" smtClean="0"/>
-              <a:t>chart)</a:t>
-            </a:r>
-          </a:p>
-          <a:p>
-            <a:pPr lvl="1">
-              <a:lnSpc>
-                <a:spcPct val="100000"/>
-              </a:lnSpc>
-              <a:spcBef>
-                <a:spcPts val="0"/>
-              </a:spcBef>
-            </a:pPr>
-            <a:endParaRPr lang="en-US" sz="1600" dirty="0" smtClean="0"/>
-          </a:p>
-          <a:p>
-            <a:pPr lvl="1">
-              <a:lnSpc>
-                <a:spcPct val="100000"/>
-              </a:lnSpc>
-              <a:spcBef>
-                <a:spcPts val="0"/>
-              </a:spcBef>
-            </a:pPr>
-            <a:r>
-              <a:rPr lang="en-US" sz="1600" dirty="0" smtClean="0"/>
-              <a:t>A </a:t>
-            </a:r>
-            <a:r>
-              <a:rPr lang="en-US" sz="1600" dirty="0"/>
-              <a:t>combination of Web Scraping and Leaflet or </a:t>
-            </a:r>
-            <a:r>
-              <a:rPr lang="en-US" sz="1600" dirty="0" err="1" smtClean="0"/>
-              <a:t>Plotly</a:t>
-            </a:r>
-            <a:endParaRPr lang="en-US" sz="1600" dirty="0" smtClean="0"/>
+              <a:t>A custom "creative" D3.js project (i.e. non-standard graph or chart)</a:t>
+            </a:r>
           </a:p>
           <a:p>
             <a:pPr lvl="1">
@@ -5587,9 +5299,14 @@
               </a:spcBef>
             </a:pPr>
             <a:r>
-              <a:rPr lang="en-US" sz="1600" dirty="0" smtClean="0"/>
-              <a:t>A dashboard page with multiple charts all updating from the same data</a:t>
-            </a:r>
+              <a:rPr lang="en-US" sz="1600" dirty="0"/>
+              <a:t>A combination of Web Scraping and Leaflet or </a:t>
+            </a:r>
+            <a:r>
+              <a:rPr lang="en-US" sz="1600" dirty="0" err="1"/>
+              <a:t>Plotly</a:t>
+            </a:r>
+            <a:endParaRPr lang="en-US" sz="1600" dirty="0"/>
           </a:p>
           <a:p>
             <a:pPr lvl="1">
@@ -5600,7 +5317,7 @@
                 <a:spcPts val="0"/>
               </a:spcBef>
             </a:pPr>
-            <a:endParaRPr lang="en-US" sz="1600" dirty="0" smtClean="0"/>
+            <a:endParaRPr lang="en-US" sz="1600" dirty="0"/>
           </a:p>
           <a:p>
             <a:pPr lvl="1">
@@ -5612,153 +5329,33 @@
               </a:spcBef>
             </a:pPr>
             <a:r>
-              <a:rPr lang="en-US" sz="1600" dirty="0" smtClean="0"/>
-              <a:t>A </a:t>
-            </a:r>
-            <a:r>
               <a:rPr lang="en-US" sz="1600" dirty="0"/>
-              <a:t>"thick" server that performs multiple manipulations on data in a database prior to visualization (must be approved</a:t>
-            </a:r>
-            <a:r>
-              <a:rPr lang="en-US" sz="1600" dirty="0" smtClean="0"/>
-              <a:t>)</a:t>
-            </a:r>
-          </a:p>
-          <a:p>
-            <a:pPr marL="342900" indent="-342900">
+              <a:t>A dashboard page with multiple charts all updating from the same data</a:t>
+            </a:r>
+          </a:p>
+          <a:p>
+            <a:pPr lvl="1">
               <a:lnSpc>
                 <a:spcPct val="100000"/>
               </a:lnSpc>
               <a:spcBef>
                 <a:spcPts val="0"/>
               </a:spcBef>
-              <a:buAutoNum type="arabicPeriod"/>
             </a:pPr>
-            <a:endParaRPr lang="en-US" sz="1600" dirty="0" smtClean="0"/>
-          </a:p>
-          <a:p>
-            <a:pPr marL="342900" indent="-342900">
+            <a:endParaRPr lang="en-US" sz="1600" dirty="0"/>
+          </a:p>
+          <a:p>
+            <a:pPr lvl="1">
               <a:lnSpc>
                 <a:spcPct val="100000"/>
               </a:lnSpc>
               <a:spcBef>
                 <a:spcPts val="0"/>
               </a:spcBef>
-              <a:buAutoNum type="arabicPeriod"/>
             </a:pPr>
             <a:r>
-              <a:rPr lang="en-US" sz="1600" dirty="0" smtClean="0"/>
-              <a:t>Your </a:t>
-            </a:r>
-            <a:r>
               <a:rPr lang="en-US" sz="1600" dirty="0"/>
-              <a:t>project should include at least </a:t>
-            </a:r>
-            <a:r>
-              <a:rPr lang="en-US" sz="1600" b="1" dirty="0"/>
-              <a:t>one </a:t>
-            </a:r>
-            <a:r>
-              <a:rPr lang="en-US" sz="1600" b="1" dirty="0" smtClean="0"/>
-              <a:t>JS library </a:t>
-            </a:r>
-            <a:r>
-              <a:rPr lang="en-US" sz="1600" dirty="0" smtClean="0"/>
-              <a:t>that we </a:t>
-            </a:r>
-            <a:r>
-              <a:rPr lang="en-US" sz="1600" dirty="0"/>
-              <a:t>did not </a:t>
-            </a:r>
-            <a:r>
-              <a:rPr lang="en-US" sz="1600" dirty="0" smtClean="0"/>
-              <a:t>cover.</a:t>
-            </a:r>
-          </a:p>
-          <a:p>
-            <a:pPr marL="342900" indent="-342900">
-              <a:lnSpc>
-                <a:spcPct val="100000"/>
-              </a:lnSpc>
-              <a:spcBef>
-                <a:spcPts val="0"/>
-              </a:spcBef>
-              <a:buAutoNum type="arabicPeriod"/>
-            </a:pPr>
-            <a:endParaRPr lang="en-US" sz="1600" dirty="0" smtClean="0"/>
-          </a:p>
-          <a:p>
-            <a:pPr marL="342900" indent="-342900">
-              <a:lnSpc>
-                <a:spcPct val="100000"/>
-              </a:lnSpc>
-              <a:spcBef>
-                <a:spcPts val="0"/>
-              </a:spcBef>
-              <a:buAutoNum type="arabicPeriod"/>
-            </a:pPr>
-            <a:r>
-              <a:rPr lang="en-US" sz="1600" dirty="0" smtClean="0"/>
-              <a:t>Your </a:t>
-            </a:r>
-            <a:r>
-              <a:rPr lang="en-US" sz="1600" dirty="0"/>
-              <a:t>project must be powered by a dataset with at least </a:t>
-            </a:r>
-            <a:r>
-              <a:rPr lang="en-US" sz="1600" b="1" dirty="0"/>
-              <a:t>100 </a:t>
-            </a:r>
-            <a:r>
-              <a:rPr lang="en-US" sz="1600" b="1" dirty="0" smtClean="0"/>
-              <a:t>records</a:t>
-            </a:r>
-            <a:r>
-              <a:rPr lang="en-US" sz="1600" dirty="0" smtClean="0"/>
-              <a:t>.</a:t>
-            </a:r>
-          </a:p>
-          <a:p>
-            <a:pPr marL="342900" indent="-342900">
-              <a:lnSpc>
-                <a:spcPct val="100000"/>
-              </a:lnSpc>
-              <a:spcBef>
-                <a:spcPts val="0"/>
-              </a:spcBef>
-              <a:buAutoNum type="arabicPeriod"/>
-            </a:pPr>
-            <a:endParaRPr lang="en-US" sz="1600" dirty="0" smtClean="0"/>
-          </a:p>
-          <a:p>
-            <a:pPr marL="342900" indent="-342900">
-              <a:lnSpc>
-                <a:spcPct val="100000"/>
-              </a:lnSpc>
-              <a:spcBef>
-                <a:spcPts val="0"/>
-              </a:spcBef>
-              <a:buAutoNum type="arabicPeriod"/>
-            </a:pPr>
-            <a:r>
-              <a:rPr lang="en-US" sz="1600" dirty="0" smtClean="0"/>
-              <a:t>Your </a:t>
-            </a:r>
-            <a:r>
-              <a:rPr lang="en-US" sz="1600" dirty="0"/>
-              <a:t>project must include some level of </a:t>
-            </a:r>
-            <a:r>
-              <a:rPr lang="en-US" sz="1600" b="1" dirty="0"/>
-              <a:t>user-driven interaction </a:t>
-            </a:r>
-            <a:r>
-              <a:rPr lang="en-US" sz="1600" dirty="0"/>
-              <a:t>(e.g. menus, dropdowns, textboxes, etc</a:t>
-            </a:r>
-            <a:r>
-              <a:rPr lang="en-US" sz="1600" dirty="0" smtClean="0"/>
-              <a:t>.)</a:t>
+              <a:t>A "thick" server that performs multiple manipulations on data in a database prior to visualization (must be approved)</a:t>
             </a:r>
           </a:p>
           <a:p>
@@ -5784,18 +5381,118 @@
               <a:buAutoNum type="arabicPeriod"/>
             </a:pPr>
             <a:r>
-              <a:rPr lang="en-US" sz="1600" dirty="0" smtClean="0"/>
-              <a:t>Your </a:t>
-            </a:r>
-            <a:r>
               <a:rPr lang="en-US" sz="1600" dirty="0"/>
-              <a:t>final visualization should ideally include at least </a:t>
-            </a:r>
-            <a:r>
-              <a:rPr lang="en-US" sz="1600" b="1" dirty="0" smtClean="0"/>
+              <a:t>Your project should include at least </a:t>
+            </a:r>
+            <a:r>
+              <a:rPr lang="en-US" sz="1600" b="1" dirty="0"/>
+              <a:t>one JS library </a:t>
+            </a:r>
+            <a:r>
+              <a:rPr lang="en-US" sz="1600" dirty="0"/>
+              <a:t>that we did not cover.</a:t>
+            </a:r>
+          </a:p>
+          <a:p>
+            <a:pPr marL="342900" indent="-342900">
+              <a:lnSpc>
+                <a:spcPct val="100000"/>
+              </a:lnSpc>
+              <a:spcBef>
+                <a:spcPts val="0"/>
+              </a:spcBef>
+              <a:buAutoNum type="arabicPeriod"/>
+            </a:pPr>
+            <a:endParaRPr lang="en-US" sz="1600" dirty="0"/>
+          </a:p>
+          <a:p>
+            <a:pPr marL="342900" indent="-342900">
+              <a:lnSpc>
+                <a:spcPct val="100000"/>
+              </a:lnSpc>
+              <a:spcBef>
+                <a:spcPts val="0"/>
+              </a:spcBef>
+              <a:buAutoNum type="arabicPeriod"/>
+            </a:pPr>
+            <a:r>
+              <a:rPr lang="en-US" sz="1600" dirty="0"/>
+              <a:t>Your project must be powered by a dataset with at least </a:t>
+            </a:r>
+            <a:r>
+              <a:rPr lang="en-US" sz="1600" b="1" dirty="0"/>
+              <a:t>100 records</a:t>
+            </a:r>
+            <a:r>
+              <a:rPr lang="en-US" sz="1600" dirty="0"/>
+              <a:t>.</a:t>
+            </a:r>
+          </a:p>
+          <a:p>
+            <a:pPr marL="342900" indent="-342900">
+              <a:lnSpc>
+                <a:spcPct val="100000"/>
+              </a:lnSpc>
+              <a:spcBef>
+                <a:spcPts val="0"/>
+              </a:spcBef>
+              <a:buAutoNum type="arabicPeriod"/>
+            </a:pPr>
+            <a:endParaRPr lang="en-US" sz="1600" dirty="0"/>
+          </a:p>
+          <a:p>
+            <a:pPr marL="342900" indent="-342900">
+              <a:lnSpc>
+                <a:spcPct val="100000"/>
+              </a:lnSpc>
+              <a:spcBef>
+                <a:spcPts val="0"/>
+              </a:spcBef>
+              <a:buAutoNum type="arabicPeriod"/>
+            </a:pPr>
+            <a:r>
+              <a:rPr lang="en-US" sz="1600" dirty="0"/>
+              <a:t>Your project must include some level of </a:t>
+            </a:r>
+            <a:r>
+              <a:rPr lang="en-US" sz="1600" b="1" dirty="0"/>
+              <a:t>user-driven interaction </a:t>
+            </a:r>
+            <a:r>
+              <a:rPr lang="en-US" sz="1600" dirty="0"/>
+              <a:t>(e.g. menus, dropdowns, textboxes, etc.)</a:t>
+            </a:r>
+          </a:p>
+          <a:p>
+            <a:pPr marL="342900" indent="-342900">
+              <a:lnSpc>
+                <a:spcPct val="100000"/>
+              </a:lnSpc>
+              <a:spcBef>
+                <a:spcPts val="0"/>
+              </a:spcBef>
+              <a:buAutoNum type="arabicPeriod"/>
+            </a:pPr>
+            <a:endParaRPr lang="en-US" sz="1600" dirty="0"/>
+          </a:p>
+          <a:p>
+            <a:pPr marL="342900" indent="-342900">
+              <a:lnSpc>
+                <a:spcPct val="100000"/>
+              </a:lnSpc>
+              <a:spcBef>
+                <a:spcPts val="0"/>
+              </a:spcBef>
+              <a:buAutoNum type="arabicPeriod"/>
+            </a:pPr>
+            <a:r>
+              <a:rPr lang="en-US" sz="1600" dirty="0"/>
+              <a:t>Your final visualization should ideally include at least </a:t>
+            </a:r>
+            <a:r>
+              <a:rPr lang="en-US" sz="1600" b="1" dirty="0"/>
               <a:t>three views</a:t>
             </a:r>
-            <a:endParaRPr lang="en-US" sz="1600" b="1" dirty="0"/>
           </a:p>
         </p:txBody>
       </p:sp>
@@ -5821,13 +5518,6 @@
       </p:transition>
     </mc:Fallback>
   </mc:AlternateContent>
-  <p:timing>
-    <p:tnLst>
-      <p:par>
-        <p:cTn id="1" dur="indefinite" restart="never" nodeType="tmRoot"/>
-      </p:par>
-    </p:tnLst>
-  </p:timing>
 </p:sld>
 </file>
 
@@ -5864,10 +5554,9 @@
           <a:lstStyle/>
           <a:p>
             <a:r>
-              <a:rPr lang="en-US" dirty="0" smtClean="0"/>
+              <a:rPr lang="en-US" dirty="0"/>
               <a:t>Schedule</a:t>
             </a:r>
-            <a:endParaRPr lang="en-US" dirty="0"/>
           </a:p>
         </p:txBody>
       </p:sp>
@@ -5893,13 +5582,6 @@
       </p:transition>
     </mc:Fallback>
   </mc:AlternateContent>
-  <p:timing>
-    <p:tnLst>
-      <p:par>
-        <p:cTn id="1" dur="indefinite" restart="never" nodeType="tmRoot"/>
-      </p:par>
-    </p:tnLst>
-  </p:timing>
 </p:sld>
 </file>
 
